--- a/poster/poster.pptx
+++ b/poster/poster.pptx
@@ -22027,7 +22027,7 @@
           <a:p>
             <a:pPr algn="just"/>
             <a:r>
-              <a:rPr lang="en-US" sz="3600" smtClean="0">
+              <a:rPr lang="en-US" sz="3600" dirty="0" smtClean="0">
                 <a:solidFill>
                   <a:srgbClr val="2172AE"/>
                 </a:solidFill>
